--- a/Ensemble Learning.pptx
+++ b/Ensemble Learning.pptx
@@ -5,7 +5,7 @@
     <p:sldMasterId id="2147483648" r:id="rId1"/>
   </p:sldMasterIdLst>
   <p:notesMasterIdLst>
-    <p:notesMasterId r:id="rId15"/>
+    <p:notesMasterId r:id="rId23"/>
   </p:notesMasterIdLst>
   <p:sldIdLst>
     <p:sldId id="256" r:id="rId2"/>
@@ -21,6 +21,14 @@
     <p:sldId id="259" r:id="rId12"/>
     <p:sldId id="260" r:id="rId13"/>
     <p:sldId id="261" r:id="rId14"/>
+    <p:sldId id="270" r:id="rId15"/>
+    <p:sldId id="278" r:id="rId16"/>
+    <p:sldId id="271" r:id="rId17"/>
+    <p:sldId id="276" r:id="rId18"/>
+    <p:sldId id="272" r:id="rId19"/>
+    <p:sldId id="277" r:id="rId20"/>
+    <p:sldId id="273" r:id="rId21"/>
+    <p:sldId id="274" r:id="rId22"/>
   </p:sldIdLst>
   <p:sldSz cx="9144000" cy="6858000" type="screen4x3"/>
   <p:notesSz cx="6858000" cy="9144000"/>
@@ -204,7 +212,8 @@
           <a:p>
             <a:fld id="{C2A00155-908B-41BE-9D94-061A256FF70A}" type="datetimeFigureOut">
               <a:rPr lang="en-US" smtClean="0"/>
-              <a:t>10/12/2023</a:t>
+              <a:pPr/>
+              <a:t>10/13/2023</a:t>
             </a:fld>
             <a:endParaRPr lang="en-US"/>
           </a:p>
@@ -365,6 +374,7 @@
           <a:p>
             <a:fld id="{3ABB2AE4-0F5B-470F-A16B-DF4F60FCC78D}" type="slidenum">
               <a:rPr lang="en-US" smtClean="0"/>
+              <a:pPr/>
               <a:t>‹#›</a:t>
             </a:fld>
             <a:endParaRPr lang="en-US"/>
@@ -536,6 +546,7 @@
           <a:p>
             <a:fld id="{3ABB2AE4-0F5B-470F-A16B-DF4F60FCC78D}" type="slidenum">
               <a:rPr lang="en-US" smtClean="0"/>
+              <a:pPr/>
               <a:t>12</a:t>
             </a:fld>
             <a:endParaRPr lang="en-US"/>
@@ -731,7 +742,8 @@
           <a:p>
             <a:fld id="{20093BC4-CF66-4219-B4FB-A3D81C899DF6}" type="datetimeFigureOut">
               <a:rPr lang="en-US" smtClean="0"/>
-              <a:t>10/12/2023</a:t>
+              <a:pPr/>
+              <a:t>10/13/2023</a:t>
             </a:fld>
             <a:endParaRPr lang="en-US"/>
           </a:p>
@@ -773,6 +785,7 @@
           <a:p>
             <a:fld id="{DA30212D-676F-4A7B-A600-23181CE1B56C}" type="slidenum">
               <a:rPr lang="en-US" smtClean="0"/>
+              <a:pPr/>
               <a:t>‹#›</a:t>
             </a:fld>
             <a:endParaRPr lang="en-US"/>
@@ -896,7 +909,8 @@
           <a:p>
             <a:fld id="{20093BC4-CF66-4219-B4FB-A3D81C899DF6}" type="datetimeFigureOut">
               <a:rPr lang="en-US" smtClean="0"/>
-              <a:t>10/12/2023</a:t>
+              <a:pPr/>
+              <a:t>10/13/2023</a:t>
             </a:fld>
             <a:endParaRPr lang="en-US"/>
           </a:p>
@@ -938,6 +952,7 @@
           <a:p>
             <a:fld id="{DA30212D-676F-4A7B-A600-23181CE1B56C}" type="slidenum">
               <a:rPr lang="en-US" smtClean="0"/>
+              <a:pPr/>
               <a:t>‹#›</a:t>
             </a:fld>
             <a:endParaRPr lang="en-US"/>
@@ -1071,7 +1086,8 @@
           <a:p>
             <a:fld id="{20093BC4-CF66-4219-B4FB-A3D81C899DF6}" type="datetimeFigureOut">
               <a:rPr lang="en-US" smtClean="0"/>
-              <a:t>10/12/2023</a:t>
+              <a:pPr/>
+              <a:t>10/13/2023</a:t>
             </a:fld>
             <a:endParaRPr lang="en-US"/>
           </a:p>
@@ -1113,6 +1129,7 @@
           <a:p>
             <a:fld id="{DA30212D-676F-4A7B-A600-23181CE1B56C}" type="slidenum">
               <a:rPr lang="en-US" smtClean="0"/>
+              <a:pPr/>
               <a:t>‹#›</a:t>
             </a:fld>
             <a:endParaRPr lang="en-US"/>
@@ -1236,7 +1253,8 @@
           <a:p>
             <a:fld id="{20093BC4-CF66-4219-B4FB-A3D81C899DF6}" type="datetimeFigureOut">
               <a:rPr lang="en-US" smtClean="0"/>
-              <a:t>10/12/2023</a:t>
+              <a:pPr/>
+              <a:t>10/13/2023</a:t>
             </a:fld>
             <a:endParaRPr lang="en-US"/>
           </a:p>
@@ -1278,6 +1296,7 @@
           <a:p>
             <a:fld id="{DA30212D-676F-4A7B-A600-23181CE1B56C}" type="slidenum">
               <a:rPr lang="en-US" smtClean="0"/>
+              <a:pPr/>
               <a:t>‹#›</a:t>
             </a:fld>
             <a:endParaRPr lang="en-US"/>
@@ -1477,7 +1496,8 @@
           <a:p>
             <a:fld id="{20093BC4-CF66-4219-B4FB-A3D81C899DF6}" type="datetimeFigureOut">
               <a:rPr lang="en-US" smtClean="0"/>
-              <a:t>10/12/2023</a:t>
+              <a:pPr/>
+              <a:t>10/13/2023</a:t>
             </a:fld>
             <a:endParaRPr lang="en-US"/>
           </a:p>
@@ -1519,6 +1539,7 @@
           <a:p>
             <a:fld id="{DA30212D-676F-4A7B-A600-23181CE1B56C}" type="slidenum">
               <a:rPr lang="en-US" smtClean="0"/>
+              <a:pPr/>
               <a:t>‹#›</a:t>
             </a:fld>
             <a:endParaRPr lang="en-US"/>
@@ -1760,7 +1781,8 @@
           <a:p>
             <a:fld id="{20093BC4-CF66-4219-B4FB-A3D81C899DF6}" type="datetimeFigureOut">
               <a:rPr lang="en-US" smtClean="0"/>
-              <a:t>10/12/2023</a:t>
+              <a:pPr/>
+              <a:t>10/13/2023</a:t>
             </a:fld>
             <a:endParaRPr lang="en-US"/>
           </a:p>
@@ -1802,6 +1824,7 @@
           <a:p>
             <a:fld id="{DA30212D-676F-4A7B-A600-23181CE1B56C}" type="slidenum">
               <a:rPr lang="en-US" smtClean="0"/>
+              <a:pPr/>
               <a:t>‹#›</a:t>
             </a:fld>
             <a:endParaRPr lang="en-US"/>
@@ -2177,7 +2200,8 @@
           <a:p>
             <a:fld id="{20093BC4-CF66-4219-B4FB-A3D81C899DF6}" type="datetimeFigureOut">
               <a:rPr lang="en-US" smtClean="0"/>
-              <a:t>10/12/2023</a:t>
+              <a:pPr/>
+              <a:t>10/13/2023</a:t>
             </a:fld>
             <a:endParaRPr lang="en-US"/>
           </a:p>
@@ -2219,6 +2243,7 @@
           <a:p>
             <a:fld id="{DA30212D-676F-4A7B-A600-23181CE1B56C}" type="slidenum">
               <a:rPr lang="en-US" smtClean="0"/>
+              <a:pPr/>
               <a:t>‹#›</a:t>
             </a:fld>
             <a:endParaRPr lang="en-US"/>
@@ -2290,7 +2315,8 @@
           <a:p>
             <a:fld id="{20093BC4-CF66-4219-B4FB-A3D81C899DF6}" type="datetimeFigureOut">
               <a:rPr lang="en-US" smtClean="0"/>
-              <a:t>10/12/2023</a:t>
+              <a:pPr/>
+              <a:t>10/13/2023</a:t>
             </a:fld>
             <a:endParaRPr lang="en-US"/>
           </a:p>
@@ -2332,6 +2358,7 @@
           <a:p>
             <a:fld id="{DA30212D-676F-4A7B-A600-23181CE1B56C}" type="slidenum">
               <a:rPr lang="en-US" smtClean="0"/>
+              <a:pPr/>
               <a:t>‹#›</a:t>
             </a:fld>
             <a:endParaRPr lang="en-US"/>
@@ -2380,7 +2407,8 @@
           <a:p>
             <a:fld id="{20093BC4-CF66-4219-B4FB-A3D81C899DF6}" type="datetimeFigureOut">
               <a:rPr lang="en-US" smtClean="0"/>
-              <a:t>10/12/2023</a:t>
+              <a:pPr/>
+              <a:t>10/13/2023</a:t>
             </a:fld>
             <a:endParaRPr lang="en-US"/>
           </a:p>
@@ -2422,6 +2450,7 @@
           <a:p>
             <a:fld id="{DA30212D-676F-4A7B-A600-23181CE1B56C}" type="slidenum">
               <a:rPr lang="en-US" smtClean="0"/>
+              <a:pPr/>
               <a:t>‹#›</a:t>
             </a:fld>
             <a:endParaRPr lang="en-US"/>
@@ -2652,7 +2681,8 @@
           <a:p>
             <a:fld id="{20093BC4-CF66-4219-B4FB-A3D81C899DF6}" type="datetimeFigureOut">
               <a:rPr lang="en-US" smtClean="0"/>
-              <a:t>10/12/2023</a:t>
+              <a:pPr/>
+              <a:t>10/13/2023</a:t>
             </a:fld>
             <a:endParaRPr lang="en-US"/>
           </a:p>
@@ -2694,6 +2724,7 @@
           <a:p>
             <a:fld id="{DA30212D-676F-4A7B-A600-23181CE1B56C}" type="slidenum">
               <a:rPr lang="en-US" smtClean="0"/>
+              <a:pPr/>
               <a:t>‹#›</a:t>
             </a:fld>
             <a:endParaRPr lang="en-US"/>
@@ -2900,7 +2931,8 @@
           <a:p>
             <a:fld id="{20093BC4-CF66-4219-B4FB-A3D81C899DF6}" type="datetimeFigureOut">
               <a:rPr lang="en-US" smtClean="0"/>
-              <a:t>10/12/2023</a:t>
+              <a:pPr/>
+              <a:t>10/13/2023</a:t>
             </a:fld>
             <a:endParaRPr lang="en-US"/>
           </a:p>
@@ -2942,6 +2974,7 @@
           <a:p>
             <a:fld id="{DA30212D-676F-4A7B-A600-23181CE1B56C}" type="slidenum">
               <a:rPr lang="en-US" smtClean="0"/>
+              <a:pPr/>
               <a:t>‹#›</a:t>
             </a:fld>
             <a:endParaRPr lang="en-US"/>
@@ -3108,7 +3141,8 @@
           <a:p>
             <a:fld id="{20093BC4-CF66-4219-B4FB-A3D81C899DF6}" type="datetimeFigureOut">
               <a:rPr lang="en-US" smtClean="0"/>
-              <a:t>10/12/2023</a:t>
+              <a:pPr/>
+              <a:t>10/13/2023</a:t>
             </a:fld>
             <a:endParaRPr lang="en-US"/>
           </a:p>
@@ -3186,6 +3220,7 @@
           <a:p>
             <a:fld id="{DA30212D-676F-4A7B-A600-23181CE1B56C}" type="slidenum">
               <a:rPr lang="en-US" smtClean="0"/>
+              <a:pPr/>
               <a:t>‹#›</a:t>
             </a:fld>
             <a:endParaRPr lang="en-US"/>
@@ -3832,10 +3867,23 @@
         </p:nvSpPr>
         <p:spPr/>
         <p:txBody>
-          <a:bodyPr/>
-          <a:lstStyle/>
-          <a:p>
-            <a:endParaRPr lang="en-US"/>
+          <a:bodyPr>
+            <a:normAutofit fontScale="90000"/>
+          </a:bodyPr>
+          <a:lstStyle/>
+          <a:p>
+            <a:r>
+              <a:rPr lang="en-US" b="1" smtClean="0"/>
+              <a:t>How stacking works?</a:t>
+            </a:r>
+            <a:r>
+              <a:rPr lang="en-US" smtClean="0"/>
+              <a:t/>
+            </a:r>
+            <a:br>
+              <a:rPr lang="en-US" smtClean="0"/>
+            </a:br>
+            <a:endParaRPr lang="en-US" dirty="0"/>
           </a:p>
         </p:txBody>
       </p:sp>
@@ -3852,75 +3900,653 @@
         <p:spPr/>
         <p:txBody>
           <a:bodyPr>
-            <a:normAutofit fontScale="70000" lnSpcReduction="20000"/>
+            <a:normAutofit/>
           </a:bodyPr>
           <a:lstStyle/>
           <a:p>
-            <a:pPr fontAlgn="base"/>
-            <a:r>
-              <a:rPr lang="en-US" b="1" dirty="0"/>
-              <a:t>How stacking works?</a:t>
-            </a:r>
+            <a:r>
+              <a:rPr lang="en-US" dirty="0" smtClean="0"/>
+              <a:t># Import necessary libraries</a:t>
+            </a:r>
+          </a:p>
+          <a:p>
+            <a:r>
+              <a:rPr lang="en-US" dirty="0" smtClean="0"/>
+              <a:t># Load the Iris dataset as an example</a:t>
+            </a:r>
+          </a:p>
+          <a:p>
             <a:endParaRPr lang="en-US" dirty="0"/>
           </a:p>
-          <a:p>
-            <a:pPr fontAlgn="base"/>
-            <a:r>
-              <a:rPr lang="en-US" dirty="0"/>
-              <a:t>We split the training data into K-folds just like K-fold cross-validation.</a:t>
-            </a:r>
-          </a:p>
-          <a:p>
-            <a:pPr fontAlgn="base"/>
-            <a:r>
-              <a:rPr lang="en-US" dirty="0"/>
-              <a:t>A base model is fitted on the K-1 parts and predictions are made for </a:t>
-            </a:r>
-            <a:r>
-              <a:rPr lang="en-US" dirty="0" err="1"/>
-              <a:t>Kth</a:t>
-            </a:r>
-            <a:r>
-              <a:rPr lang="en-US" dirty="0"/>
-              <a:t> part.</a:t>
-            </a:r>
-          </a:p>
-          <a:p>
-            <a:pPr fontAlgn="base"/>
-            <a:r>
-              <a:rPr lang="en-US" dirty="0"/>
-              <a:t>We do for each part of the training data.</a:t>
-            </a:r>
-          </a:p>
-          <a:p>
-            <a:pPr fontAlgn="base"/>
-            <a:r>
-              <a:rPr lang="en-US" dirty="0"/>
-              <a:t>The base model is then fitted on the whole train data set to calculate its performance on the test set.</a:t>
-            </a:r>
-          </a:p>
-          <a:p>
-            <a:pPr fontAlgn="base"/>
-            <a:r>
-              <a:rPr lang="en-US" dirty="0"/>
-              <a:t>We repeat the last 3 steps for other base models.</a:t>
-            </a:r>
-          </a:p>
-          <a:p>
-            <a:pPr fontAlgn="base"/>
-            <a:r>
-              <a:rPr lang="en-US" dirty="0"/>
-              <a:t>Predictions from the train set are used as features for the second level model.</a:t>
-            </a:r>
-          </a:p>
-          <a:p>
-            <a:pPr fontAlgn="base"/>
-            <a:r>
-              <a:rPr lang="en-US" dirty="0"/>
-              <a:t>Second level model is used to make a prediction on the test set.</a:t>
-            </a:r>
-          </a:p>
-          <a:p>
+        </p:txBody>
+      </p:sp>
+    </p:spTree>
+  </p:cSld>
+  <p:clrMapOvr>
+    <a:masterClrMapping/>
+  </p:clrMapOvr>
+</p:sld>
+</file>
+
+<file path=ppt/slides/slide14.xml><?xml version="1.0" encoding="utf-8"?>
+<p:sld xmlns:a="http://schemas.openxmlformats.org/drawingml/2006/main" xmlns:r="http://schemas.openxmlformats.org/officeDocument/2006/relationships" xmlns:p="http://schemas.openxmlformats.org/presentationml/2006/main">
+  <p:cSld>
+    <p:spTree>
+      <p:nvGrpSpPr>
+        <p:cNvPr id="1" name=""/>
+        <p:cNvGrpSpPr/>
+        <p:nvPr/>
+      </p:nvGrpSpPr>
+      <p:grpSpPr>
+        <a:xfrm>
+          <a:off x="0" y="0"/>
+          <a:ext cx="0" cy="0"/>
+          <a:chOff x="0" y="0"/>
+          <a:chExt cx="0" cy="0"/>
+        </a:xfrm>
+      </p:grpSpPr>
+      <p:sp>
+        <p:nvSpPr>
+          <p:cNvPr id="2" name="Title 1"/>
+          <p:cNvSpPr>
+            <a:spLocks noGrp="1"/>
+          </p:cNvSpPr>
+          <p:nvPr>
+            <p:ph type="title"/>
+          </p:nvPr>
+        </p:nvSpPr>
+        <p:spPr/>
+        <p:txBody>
+          <a:bodyPr>
+            <a:normAutofit fontScale="90000"/>
+          </a:bodyPr>
+          <a:lstStyle/>
+          <a:p>
+            <a:r>
+              <a:rPr lang="en-US" dirty="0" smtClean="0"/>
+              <a:t>Bagging, boosting, and </a:t>
+            </a:r>
+            <a:r>
+              <a:rPr lang="en-US" dirty="0" smtClean="0"/>
+              <a:t>stacking</a:t>
+            </a:r>
+            <a:br>
+              <a:rPr lang="en-US" dirty="0" smtClean="0"/>
+            </a:br>
+            <a:r>
+              <a:rPr lang="en-US" dirty="0" smtClean="0"/>
+              <a:t>Impact on Bias and Variance</a:t>
+            </a:r>
+            <a:endParaRPr lang="en-US" dirty="0"/>
+          </a:p>
+        </p:txBody>
+      </p:sp>
+      <p:sp>
+        <p:nvSpPr>
+          <p:cNvPr id="3" name="Content Placeholder 2"/>
+          <p:cNvSpPr>
+            <a:spLocks noGrp="1"/>
+          </p:cNvSpPr>
+          <p:nvPr>
+            <p:ph idx="1"/>
+          </p:nvPr>
+        </p:nvSpPr>
+        <p:spPr/>
+        <p:txBody>
+          <a:bodyPr>
+            <a:normAutofit/>
+          </a:bodyPr>
+          <a:lstStyle/>
+          <a:p>
+            <a:r>
+              <a:rPr lang="en-US" dirty="0" smtClean="0"/>
+              <a:t>Bagging, boosting, and stacking are ensemble learning techniques used to improve the performance of machine learning models. Each of these techniques has a different approach to combining multiple base models and has a distinct impact on bias and variance.</a:t>
+            </a:r>
+          </a:p>
+          <a:p>
+            <a:endParaRPr lang="en-US" dirty="0"/>
+          </a:p>
+        </p:txBody>
+      </p:sp>
+    </p:spTree>
+  </p:cSld>
+  <p:clrMapOvr>
+    <a:masterClrMapping/>
+  </p:clrMapOvr>
+</p:sld>
+</file>
+
+<file path=ppt/slides/slide15.xml><?xml version="1.0" encoding="utf-8"?>
+<p:sld xmlns:a="http://schemas.openxmlformats.org/drawingml/2006/main" xmlns:r="http://schemas.openxmlformats.org/officeDocument/2006/relationships" xmlns:p="http://schemas.openxmlformats.org/presentationml/2006/main">
+  <p:cSld>
+    <p:spTree>
+      <p:nvGrpSpPr>
+        <p:cNvPr id="1" name=""/>
+        <p:cNvGrpSpPr/>
+        <p:nvPr/>
+      </p:nvGrpSpPr>
+      <p:grpSpPr>
+        <a:xfrm>
+          <a:off x="0" y="0"/>
+          <a:ext cx="0" cy="0"/>
+          <a:chOff x="0" y="0"/>
+          <a:chExt cx="0" cy="0"/>
+        </a:xfrm>
+      </p:grpSpPr>
+      <p:sp>
+        <p:nvSpPr>
+          <p:cNvPr id="2" name="Title 1"/>
+          <p:cNvSpPr>
+            <a:spLocks noGrp="1"/>
+          </p:cNvSpPr>
+          <p:nvPr>
+            <p:ph type="title"/>
+          </p:nvPr>
+        </p:nvSpPr>
+        <p:spPr/>
+        <p:txBody>
+          <a:bodyPr/>
+          <a:lstStyle/>
+          <a:p>
+            <a:endParaRPr lang="en-US"/>
+          </a:p>
+        </p:txBody>
+      </p:sp>
+      <p:sp>
+        <p:nvSpPr>
+          <p:cNvPr id="3" name="Content Placeholder 2"/>
+          <p:cNvSpPr>
+            <a:spLocks noGrp="1"/>
+          </p:cNvSpPr>
+          <p:nvPr>
+            <p:ph idx="1"/>
+          </p:nvPr>
+        </p:nvSpPr>
+        <p:spPr/>
+        <p:txBody>
+          <a:bodyPr/>
+          <a:lstStyle/>
+          <a:p>
+            <a:pPr marL="342900" lvl="1" indent="-342900">
+              <a:buFont typeface="Arial" pitchFamily="34" charset="0"/>
+              <a:buChar char="•"/>
+            </a:pPr>
+            <a:r>
+              <a:rPr lang="en-US" b="1" dirty="0" smtClean="0"/>
+              <a:t>Impact on Bias and Variance</a:t>
+            </a:r>
+            <a:r>
+              <a:rPr lang="en-US" dirty="0" smtClean="0"/>
+              <a:t>:</a:t>
+            </a:r>
+          </a:p>
+          <a:p>
+            <a:endParaRPr lang="en-US" dirty="0"/>
+          </a:p>
+        </p:txBody>
+      </p:sp>
+      <p:pic>
+        <p:nvPicPr>
+          <p:cNvPr id="4" name="Picture 3" descr="bias_variance.jpg"/>
+          <p:cNvPicPr>
+            <a:picLocks noChangeAspect="1"/>
+          </p:cNvPicPr>
+          <p:nvPr/>
+        </p:nvPicPr>
+        <p:blipFill>
+          <a:blip r:embed="rId2"/>
+          <a:stretch>
+            <a:fillRect/>
+          </a:stretch>
+        </p:blipFill>
+        <p:spPr>
+          <a:xfrm>
+            <a:off x="992037" y="0"/>
+            <a:ext cx="7159925" cy="6858000"/>
+          </a:xfrm>
+          <a:prstGeom prst="rect">
+            <a:avLst/>
+          </a:prstGeom>
+        </p:spPr>
+      </p:pic>
+    </p:spTree>
+  </p:cSld>
+  <p:clrMapOvr>
+    <a:masterClrMapping/>
+  </p:clrMapOvr>
+</p:sld>
+</file>
+
+<file path=ppt/slides/slide16.xml><?xml version="1.0" encoding="utf-8"?>
+<p:sld xmlns:a="http://schemas.openxmlformats.org/drawingml/2006/main" xmlns:r="http://schemas.openxmlformats.org/officeDocument/2006/relationships" xmlns:p="http://schemas.openxmlformats.org/presentationml/2006/main">
+  <p:cSld>
+    <p:spTree>
+      <p:nvGrpSpPr>
+        <p:cNvPr id="1" name=""/>
+        <p:cNvGrpSpPr/>
+        <p:nvPr/>
+      </p:nvGrpSpPr>
+      <p:grpSpPr>
+        <a:xfrm>
+          <a:off x="0" y="0"/>
+          <a:ext cx="0" cy="0"/>
+          <a:chOff x="0" y="0"/>
+          <a:chExt cx="0" cy="0"/>
+        </a:xfrm>
+      </p:grpSpPr>
+      <p:sp>
+        <p:nvSpPr>
+          <p:cNvPr id="2" name="Title 1"/>
+          <p:cNvSpPr>
+            <a:spLocks noGrp="1"/>
+          </p:cNvSpPr>
+          <p:nvPr>
+            <p:ph type="title"/>
+          </p:nvPr>
+        </p:nvSpPr>
+        <p:spPr/>
+        <p:txBody>
+          <a:bodyPr>
+            <a:normAutofit fontScale="90000"/>
+          </a:bodyPr>
+          <a:lstStyle/>
+          <a:p>
+            <a:r>
+              <a:rPr lang="en-US" b="1" dirty="0" smtClean="0"/>
+              <a:t>Bagging (Bootstrap Aggregating)</a:t>
+            </a:r>
+            <a:r>
+              <a:rPr lang="en-US" dirty="0" smtClean="0"/>
+              <a:t>:</a:t>
+            </a:r>
+            <a:br>
+              <a:rPr lang="en-US" dirty="0" smtClean="0"/>
+            </a:br>
+            <a:endParaRPr lang="en-US" dirty="0"/>
+          </a:p>
+        </p:txBody>
+      </p:sp>
+      <p:sp>
+        <p:nvSpPr>
+          <p:cNvPr id="3" name="Content Placeholder 2"/>
+          <p:cNvSpPr>
+            <a:spLocks noGrp="1"/>
+          </p:cNvSpPr>
+          <p:nvPr>
+            <p:ph idx="1"/>
+          </p:nvPr>
+        </p:nvSpPr>
+        <p:spPr/>
+        <p:txBody>
+          <a:bodyPr>
+            <a:normAutofit/>
+          </a:bodyPr>
+          <a:lstStyle/>
+          <a:p>
+            <a:pPr lvl="1"/>
+            <a:r>
+              <a:rPr lang="en-US" b="1" dirty="0" smtClean="0"/>
+              <a:t>Method</a:t>
+            </a:r>
+            <a:r>
+              <a:rPr lang="en-US" dirty="0" smtClean="0"/>
+              <a:t>: Bagging creates multiple base models by training each one on a randomly sampled subset of the training data (with replacement) and then combines their predictions, often by averaging (for regression) or voting (for classification</a:t>
+            </a:r>
+            <a:r>
+              <a:rPr lang="en-US" dirty="0" smtClean="0"/>
+              <a:t>).</a:t>
+            </a:r>
+            <a:endParaRPr lang="en-US" dirty="0" smtClean="0"/>
+          </a:p>
+        </p:txBody>
+      </p:sp>
+    </p:spTree>
+  </p:cSld>
+  <p:clrMapOvr>
+    <a:masterClrMapping/>
+  </p:clrMapOvr>
+</p:sld>
+</file>
+
+<file path=ppt/slides/slide17.xml><?xml version="1.0" encoding="utf-8"?>
+<p:sld xmlns:a="http://schemas.openxmlformats.org/drawingml/2006/main" xmlns:r="http://schemas.openxmlformats.org/officeDocument/2006/relationships" xmlns:p="http://schemas.openxmlformats.org/presentationml/2006/main">
+  <p:cSld>
+    <p:spTree>
+      <p:nvGrpSpPr>
+        <p:cNvPr id="1" name=""/>
+        <p:cNvGrpSpPr/>
+        <p:nvPr/>
+      </p:nvGrpSpPr>
+      <p:grpSpPr>
+        <a:xfrm>
+          <a:off x="0" y="0"/>
+          <a:ext cx="0" cy="0"/>
+          <a:chOff x="0" y="0"/>
+          <a:chExt cx="0" cy="0"/>
+        </a:xfrm>
+      </p:grpSpPr>
+      <p:sp>
+        <p:nvSpPr>
+          <p:cNvPr id="2" name="Title 1"/>
+          <p:cNvSpPr>
+            <a:spLocks noGrp="1"/>
+          </p:cNvSpPr>
+          <p:nvPr>
+            <p:ph type="title"/>
+          </p:nvPr>
+        </p:nvSpPr>
+        <p:spPr/>
+        <p:txBody>
+          <a:bodyPr>
+            <a:normAutofit fontScale="90000"/>
+          </a:bodyPr>
+          <a:lstStyle/>
+          <a:p>
+            <a:pPr lvl="1" algn="ctr" rtl="0">
+              <a:spcBef>
+                <a:spcPct val="0"/>
+              </a:spcBef>
+            </a:pPr>
+            <a:r>
+              <a:rPr lang="en-US" sz="4400" b="1" dirty="0" smtClean="0"/>
+              <a:t>Bagging-</a:t>
+            </a:r>
+            <a:r>
+              <a:rPr lang="en-US" sz="4400" b="1" dirty="0" smtClean="0"/>
+              <a:t>Impact on Bias and Variance</a:t>
+            </a:r>
+            <a:r>
+              <a:rPr lang="en-US" sz="4400" dirty="0" smtClean="0"/>
+              <a:t>:</a:t>
+            </a:r>
+            <a:r>
+              <a:rPr lang="en-US" dirty="0" smtClean="0"/>
+              <a:t/>
+            </a:r>
+            <a:br>
+              <a:rPr lang="en-US" dirty="0" smtClean="0"/>
+            </a:br>
+            <a:endParaRPr lang="en-US" dirty="0"/>
+          </a:p>
+        </p:txBody>
+      </p:sp>
+      <p:sp>
+        <p:nvSpPr>
+          <p:cNvPr id="3" name="Content Placeholder 2"/>
+          <p:cNvSpPr>
+            <a:spLocks noGrp="1"/>
+          </p:cNvSpPr>
+          <p:nvPr>
+            <p:ph idx="1"/>
+          </p:nvPr>
+        </p:nvSpPr>
+        <p:spPr/>
+        <p:txBody>
+          <a:bodyPr/>
+          <a:lstStyle/>
+          <a:p>
+            <a:pPr lvl="1"/>
+            <a:r>
+              <a:rPr lang="en-US" b="1" dirty="0" smtClean="0"/>
+              <a:t>Impact on Bias and Variance</a:t>
+            </a:r>
+            <a:r>
+              <a:rPr lang="en-US" dirty="0" smtClean="0"/>
+              <a:t>:</a:t>
+            </a:r>
+          </a:p>
+          <a:p>
+            <a:pPr lvl="2"/>
+            <a:r>
+              <a:rPr lang="en-US" b="1" dirty="0" smtClean="0"/>
+              <a:t>Variance Reduction</a:t>
+            </a:r>
+            <a:r>
+              <a:rPr lang="en-US" dirty="0" smtClean="0"/>
+              <a:t>: Bagging helps reduce the variance of the model. By training multiple models on different subsets of the data, it introduces diversity in the models. When their predictions are combined, errors in individual models tend to cancel out, resulting in a more stable and less </a:t>
+            </a:r>
+            <a:r>
+              <a:rPr lang="en-US" dirty="0" err="1" smtClean="0"/>
+              <a:t>overfit</a:t>
+            </a:r>
+            <a:r>
+              <a:rPr lang="en-US" dirty="0" smtClean="0"/>
+              <a:t> model.</a:t>
+            </a:r>
+          </a:p>
+          <a:p>
+            <a:pPr lvl="2"/>
+            <a:r>
+              <a:rPr lang="en-US" b="1" dirty="0" smtClean="0"/>
+              <a:t>Minimal Impact on Bias</a:t>
+            </a:r>
+            <a:r>
+              <a:rPr lang="en-US" dirty="0" smtClean="0"/>
+              <a:t>: Bagging doesn't significantly affect the bias of the base model. The average prediction is still centered around the true values, and the bias remains similar to that of the base model.</a:t>
+            </a:r>
+          </a:p>
+          <a:p>
+            <a:endParaRPr lang="en-US" dirty="0"/>
+          </a:p>
+        </p:txBody>
+      </p:sp>
+    </p:spTree>
+  </p:cSld>
+  <p:clrMapOvr>
+    <a:masterClrMapping/>
+  </p:clrMapOvr>
+</p:sld>
+</file>
+
+<file path=ppt/slides/slide18.xml><?xml version="1.0" encoding="utf-8"?>
+<p:sld xmlns:a="http://schemas.openxmlformats.org/drawingml/2006/main" xmlns:r="http://schemas.openxmlformats.org/officeDocument/2006/relationships" xmlns:p="http://schemas.openxmlformats.org/presentationml/2006/main">
+  <p:cSld>
+    <p:spTree>
+      <p:nvGrpSpPr>
+        <p:cNvPr id="1" name=""/>
+        <p:cNvGrpSpPr/>
+        <p:nvPr/>
+      </p:nvGrpSpPr>
+      <p:grpSpPr>
+        <a:xfrm>
+          <a:off x="0" y="0"/>
+          <a:ext cx="0" cy="0"/>
+          <a:chOff x="0" y="0"/>
+          <a:chExt cx="0" cy="0"/>
+        </a:xfrm>
+      </p:grpSpPr>
+      <p:sp>
+        <p:nvSpPr>
+          <p:cNvPr id="2" name="Title 1"/>
+          <p:cNvSpPr>
+            <a:spLocks noGrp="1"/>
+          </p:cNvSpPr>
+          <p:nvPr>
+            <p:ph type="title"/>
+          </p:nvPr>
+        </p:nvSpPr>
+        <p:spPr/>
+        <p:txBody>
+          <a:bodyPr>
+            <a:normAutofit fontScale="90000"/>
+          </a:bodyPr>
+          <a:lstStyle/>
+          <a:p>
+            <a:r>
+              <a:rPr lang="en-US" b="1" dirty="0" smtClean="0"/>
+              <a:t>Boosting</a:t>
+            </a:r>
+            <a:r>
+              <a:rPr lang="en-US" dirty="0" smtClean="0"/>
+              <a:t>:</a:t>
+            </a:r>
+            <a:br>
+              <a:rPr lang="en-US" dirty="0" smtClean="0"/>
+            </a:br>
+            <a:endParaRPr lang="en-US" dirty="0"/>
+          </a:p>
+        </p:txBody>
+      </p:sp>
+      <p:sp>
+        <p:nvSpPr>
+          <p:cNvPr id="3" name="Content Placeholder 2"/>
+          <p:cNvSpPr>
+            <a:spLocks noGrp="1"/>
+          </p:cNvSpPr>
+          <p:nvPr>
+            <p:ph idx="1"/>
+          </p:nvPr>
+        </p:nvSpPr>
+        <p:spPr/>
+        <p:txBody>
+          <a:bodyPr>
+            <a:normAutofit/>
+          </a:bodyPr>
+          <a:lstStyle/>
+          <a:p>
+            <a:r>
+              <a:rPr lang="en-US" b="1" dirty="0" smtClean="0"/>
+              <a:t>Boosting</a:t>
+            </a:r>
+            <a:r>
+              <a:rPr lang="en-US" dirty="0" smtClean="0"/>
+              <a:t>:</a:t>
+            </a:r>
+          </a:p>
+          <a:p>
+            <a:pPr lvl="1"/>
+            <a:r>
+              <a:rPr lang="en-US" b="1" dirty="0" smtClean="0"/>
+              <a:t>Method</a:t>
+            </a:r>
+            <a:r>
+              <a:rPr lang="en-US" dirty="0" smtClean="0"/>
+              <a:t>: Boosting builds a sequence of base models in an adaptive manner. Each new model is trained to correct the errors made by the previous ones. The final prediction is a weighted sum of all the models' predictions.</a:t>
+            </a:r>
+          </a:p>
+          <a:p>
+            <a:pPr lvl="1"/>
+            <a:endParaRPr lang="en-US" dirty="0" smtClean="0"/>
+          </a:p>
+          <a:p>
+            <a:endParaRPr lang="en-US" dirty="0" smtClean="0"/>
+          </a:p>
+          <a:p>
+            <a:endParaRPr lang="en-US" dirty="0"/>
+          </a:p>
+        </p:txBody>
+      </p:sp>
+    </p:spTree>
+  </p:cSld>
+  <p:clrMapOvr>
+    <a:masterClrMapping/>
+  </p:clrMapOvr>
+</p:sld>
+</file>
+
+<file path=ppt/slides/slide19.xml><?xml version="1.0" encoding="utf-8"?>
+<p:sld xmlns:a="http://schemas.openxmlformats.org/drawingml/2006/main" xmlns:r="http://schemas.openxmlformats.org/officeDocument/2006/relationships" xmlns:p="http://schemas.openxmlformats.org/presentationml/2006/main">
+  <p:cSld>
+    <p:spTree>
+      <p:nvGrpSpPr>
+        <p:cNvPr id="1" name=""/>
+        <p:cNvGrpSpPr/>
+        <p:nvPr/>
+      </p:nvGrpSpPr>
+      <p:grpSpPr>
+        <a:xfrm>
+          <a:off x="0" y="0"/>
+          <a:ext cx="0" cy="0"/>
+          <a:chOff x="0" y="0"/>
+          <a:chExt cx="0" cy="0"/>
+        </a:xfrm>
+      </p:grpSpPr>
+      <p:sp>
+        <p:nvSpPr>
+          <p:cNvPr id="2" name="Title 1"/>
+          <p:cNvSpPr>
+            <a:spLocks noGrp="1"/>
+          </p:cNvSpPr>
+          <p:nvPr>
+            <p:ph type="title"/>
+          </p:nvPr>
+        </p:nvSpPr>
+        <p:spPr/>
+        <p:txBody>
+          <a:bodyPr>
+            <a:normAutofit fontScale="90000"/>
+          </a:bodyPr>
+          <a:lstStyle/>
+          <a:p>
+            <a:r>
+              <a:rPr lang="en-US" b="1" dirty="0" smtClean="0"/>
+              <a:t>Boosting</a:t>
+            </a:r>
+            <a:r>
+              <a:rPr lang="en-US" dirty="0" smtClean="0"/>
+              <a:t>:</a:t>
+            </a:r>
+            <a:br>
+              <a:rPr lang="en-US" dirty="0" smtClean="0"/>
+            </a:br>
+            <a:endParaRPr lang="en-US" dirty="0"/>
+          </a:p>
+        </p:txBody>
+      </p:sp>
+      <p:sp>
+        <p:nvSpPr>
+          <p:cNvPr id="3" name="Content Placeholder 2"/>
+          <p:cNvSpPr>
+            <a:spLocks noGrp="1"/>
+          </p:cNvSpPr>
+          <p:nvPr>
+            <p:ph idx="1"/>
+          </p:nvPr>
+        </p:nvSpPr>
+        <p:spPr/>
+        <p:txBody>
+          <a:bodyPr/>
+          <a:lstStyle/>
+          <a:p>
+            <a:pPr lvl="1"/>
+            <a:r>
+              <a:rPr lang="en-US" b="1" dirty="0" smtClean="0"/>
+              <a:t>Impact on Bias and Variance</a:t>
+            </a:r>
+            <a:r>
+              <a:rPr lang="en-US" dirty="0" smtClean="0"/>
+              <a:t>:</a:t>
+            </a:r>
+          </a:p>
+          <a:p>
+            <a:pPr lvl="2"/>
+            <a:r>
+              <a:rPr lang="en-US" b="1" dirty="0" smtClean="0"/>
+              <a:t>Bias Reduction</a:t>
+            </a:r>
+            <a:r>
+              <a:rPr lang="en-US" dirty="0" smtClean="0"/>
+              <a:t>: Boosting tends to reduce bias. By repeatedly focusing on examples that the previous models got wrong, boosting adapts and tries to fit the training data better.</a:t>
+            </a:r>
+          </a:p>
+          <a:p>
+            <a:pPr lvl="2"/>
+            <a:r>
+              <a:rPr lang="en-US" b="1" dirty="0" smtClean="0"/>
+              <a:t>May Increase Variance</a:t>
+            </a:r>
+            <a:r>
+              <a:rPr lang="en-US" dirty="0" smtClean="0"/>
+              <a:t>: Boosting can increase the variance of the model. Since the models are built sequentially and may become increasingly complex, they can </a:t>
+            </a:r>
+            <a:r>
+              <a:rPr lang="en-US" dirty="0" err="1" smtClean="0"/>
+              <a:t>overfit</a:t>
+            </a:r>
+            <a:r>
+              <a:rPr lang="en-US" dirty="0" smtClean="0"/>
+              <a:t> to the training data. Regularization techniques are often used to mitigate this.</a:t>
+            </a:r>
             <a:endParaRPr lang="en-US" dirty="0"/>
           </a:p>
         </p:txBody>
@@ -3985,6 +4611,224 @@
           <a:lstStyle/>
           <a:p>
             <a:endParaRPr lang="en-US"/>
+          </a:p>
+        </p:txBody>
+      </p:sp>
+    </p:spTree>
+  </p:cSld>
+  <p:clrMapOvr>
+    <a:masterClrMapping/>
+  </p:clrMapOvr>
+</p:sld>
+</file>
+
+<file path=ppt/slides/slide20.xml><?xml version="1.0" encoding="utf-8"?>
+<p:sld xmlns:a="http://schemas.openxmlformats.org/drawingml/2006/main" xmlns:r="http://schemas.openxmlformats.org/officeDocument/2006/relationships" xmlns:p="http://schemas.openxmlformats.org/presentationml/2006/main">
+  <p:cSld>
+    <p:spTree>
+      <p:nvGrpSpPr>
+        <p:cNvPr id="1" name=""/>
+        <p:cNvGrpSpPr/>
+        <p:nvPr/>
+      </p:nvGrpSpPr>
+      <p:grpSpPr>
+        <a:xfrm>
+          <a:off x="0" y="0"/>
+          <a:ext cx="0" cy="0"/>
+          <a:chOff x="0" y="0"/>
+          <a:chExt cx="0" cy="0"/>
+        </a:xfrm>
+      </p:grpSpPr>
+      <p:sp>
+        <p:nvSpPr>
+          <p:cNvPr id="2" name="Title 1"/>
+          <p:cNvSpPr>
+            <a:spLocks noGrp="1"/>
+          </p:cNvSpPr>
+          <p:nvPr>
+            <p:ph type="title"/>
+          </p:nvPr>
+        </p:nvSpPr>
+        <p:spPr/>
+        <p:txBody>
+          <a:bodyPr>
+            <a:normAutofit fontScale="90000"/>
+          </a:bodyPr>
+          <a:lstStyle/>
+          <a:p>
+            <a:r>
+              <a:rPr lang="en-US" b="1" dirty="0" smtClean="0"/>
+              <a:t>Stacking</a:t>
+            </a:r>
+            <a:r>
+              <a:rPr lang="en-US" dirty="0" smtClean="0"/>
+              <a:t>:</a:t>
+            </a:r>
+            <a:br>
+              <a:rPr lang="en-US" dirty="0" smtClean="0"/>
+            </a:br>
+            <a:endParaRPr lang="en-US" dirty="0"/>
+          </a:p>
+        </p:txBody>
+      </p:sp>
+      <p:sp>
+        <p:nvSpPr>
+          <p:cNvPr id="3" name="Content Placeholder 2"/>
+          <p:cNvSpPr>
+            <a:spLocks noGrp="1"/>
+          </p:cNvSpPr>
+          <p:nvPr>
+            <p:ph idx="1"/>
+          </p:nvPr>
+        </p:nvSpPr>
+        <p:spPr/>
+        <p:txBody>
+          <a:bodyPr>
+            <a:normAutofit/>
+          </a:bodyPr>
+          <a:lstStyle/>
+          <a:p>
+            <a:pPr lvl="1"/>
+            <a:r>
+              <a:rPr lang="en-US" b="1" dirty="0" smtClean="0"/>
+              <a:t>Method</a:t>
+            </a:r>
+            <a:r>
+              <a:rPr lang="en-US" dirty="0" smtClean="0"/>
+              <a:t>: Stacking combines the predictions of multiple base models by training a meta-model on their outputs. The base models' predictions serve as the input features for the meta-model.</a:t>
+            </a:r>
+          </a:p>
+          <a:p>
+            <a:endParaRPr lang="en-US" dirty="0"/>
+          </a:p>
+        </p:txBody>
+      </p:sp>
+    </p:spTree>
+  </p:cSld>
+  <p:clrMapOvr>
+    <a:masterClrMapping/>
+  </p:clrMapOvr>
+</p:sld>
+</file>
+
+<file path=ppt/slides/slide21.xml><?xml version="1.0" encoding="utf-8"?>
+<p:sld xmlns:a="http://schemas.openxmlformats.org/drawingml/2006/main" xmlns:r="http://schemas.openxmlformats.org/officeDocument/2006/relationships" xmlns:p="http://schemas.openxmlformats.org/presentationml/2006/main">
+  <p:cSld>
+    <p:spTree>
+      <p:nvGrpSpPr>
+        <p:cNvPr id="1" name=""/>
+        <p:cNvGrpSpPr/>
+        <p:nvPr/>
+      </p:nvGrpSpPr>
+      <p:grpSpPr>
+        <a:xfrm>
+          <a:off x="0" y="0"/>
+          <a:ext cx="0" cy="0"/>
+          <a:chOff x="0" y="0"/>
+          <a:chExt cx="0" cy="0"/>
+        </a:xfrm>
+      </p:grpSpPr>
+      <p:sp>
+        <p:nvSpPr>
+          <p:cNvPr id="2" name="Title 1"/>
+          <p:cNvSpPr>
+            <a:spLocks noGrp="1"/>
+          </p:cNvSpPr>
+          <p:nvPr>
+            <p:ph type="title"/>
+          </p:nvPr>
+        </p:nvSpPr>
+        <p:spPr/>
+        <p:txBody>
+          <a:bodyPr>
+            <a:normAutofit fontScale="90000"/>
+          </a:bodyPr>
+          <a:lstStyle/>
+          <a:p>
+            <a:r>
+              <a:rPr lang="en-US" b="1" dirty="0" smtClean="0"/>
+              <a:t>Stacking</a:t>
+            </a:r>
+            <a:r>
+              <a:rPr lang="en-US" dirty="0" smtClean="0"/>
+              <a:t>:</a:t>
+            </a:r>
+            <a:br>
+              <a:rPr lang="en-US" dirty="0" smtClean="0"/>
+            </a:br>
+            <a:endParaRPr lang="en-US" dirty="0"/>
+          </a:p>
+        </p:txBody>
+      </p:sp>
+      <p:sp>
+        <p:nvSpPr>
+          <p:cNvPr id="3" name="Content Placeholder 2"/>
+          <p:cNvSpPr>
+            <a:spLocks noGrp="1"/>
+          </p:cNvSpPr>
+          <p:nvPr>
+            <p:ph idx="1"/>
+          </p:nvPr>
+        </p:nvSpPr>
+        <p:spPr/>
+        <p:txBody>
+          <a:bodyPr/>
+          <a:lstStyle/>
+          <a:p>
+            <a:pPr lvl="1"/>
+            <a:r>
+              <a:rPr lang="en-US" b="1" dirty="0" smtClean="0"/>
+              <a:t>Impact on Bias and Variance</a:t>
+            </a:r>
+            <a:r>
+              <a:rPr lang="en-US" dirty="0" smtClean="0"/>
+              <a:t>:</a:t>
+            </a:r>
+          </a:p>
+          <a:p>
+            <a:pPr lvl="2"/>
+            <a:r>
+              <a:rPr lang="en-US" b="1" dirty="0" smtClean="0"/>
+              <a:t>Bias and Variance Trade-Off</a:t>
+            </a:r>
+            <a:r>
+              <a:rPr lang="en-US" dirty="0" smtClean="0"/>
+              <a:t>: Stacking can potentially reduce both bias and variance, but it's highly dependent on the choice of base models and the meta-model. By using diverse base models, you can obtain predictions with lower bias and variance. The meta-model can then fine-tune these predictions.</a:t>
+            </a:r>
+          </a:p>
+          <a:p>
+            <a:pPr lvl="2"/>
+            <a:r>
+              <a:rPr lang="en-US" b="1" dirty="0" err="1" smtClean="0"/>
+              <a:t>Overfitting</a:t>
+            </a:r>
+            <a:r>
+              <a:rPr lang="en-US" b="1" dirty="0" smtClean="0"/>
+              <a:t> Potential</a:t>
+            </a:r>
+            <a:r>
+              <a:rPr lang="en-US" dirty="0" smtClean="0"/>
+              <a:t>: Stacking can be prone to </a:t>
+            </a:r>
+            <a:r>
+              <a:rPr lang="en-US" dirty="0" err="1" smtClean="0"/>
+              <a:t>overfitting</a:t>
+            </a:r>
+            <a:r>
+              <a:rPr lang="en-US" dirty="0" smtClean="0"/>
+              <a:t> if not properly tuned. The meta-model's complexity and the risk of </a:t>
+            </a:r>
+            <a:r>
+              <a:rPr lang="en-US" dirty="0" err="1" smtClean="0"/>
+              <a:t>overfitting</a:t>
+            </a:r>
+            <a:r>
+              <a:rPr lang="en-US" dirty="0" smtClean="0"/>
+              <a:t> depend on the diversity and quality of the base models.</a:t>
+            </a:r>
+          </a:p>
+          <a:p>
+            <a:endParaRPr lang="en-US" dirty="0"/>
           </a:p>
         </p:txBody>
       </p:sp>
@@ -4584,7 +5428,7 @@
         </p:xfrm>
         <a:graphic>
           <a:graphicData uri="http://schemas.openxmlformats.org/presentationml/2006/ole">
-            <p:oleObj spid="_x0000_s2050" name="Equation" r:id="rId3" imgW="622080" imgH="177480" progId="Equation.DSMT4">
+            <p:oleObj spid="_x0000_s2050" name="Equation" r:id="rId3" imgW="622080" imgH="177480" progId="">
               <p:embed/>
             </p:oleObj>
           </a:graphicData>
@@ -4604,7 +5448,7 @@
         </p:xfrm>
         <a:graphic>
           <a:graphicData uri="http://schemas.openxmlformats.org/presentationml/2006/ole">
-            <p:oleObj spid="_x0000_s2051" name="Equation" r:id="rId4" imgW="1625400" imgH="253800" progId="Equation.DSMT4">
+            <p:oleObj spid="_x0000_s2051" name="Equation" r:id="rId4" imgW="1625400" imgH="253800" progId="">
               <p:embed/>
             </p:oleObj>
           </a:graphicData>
@@ -4661,7 +5505,7 @@
         </p:xfrm>
         <a:graphic>
           <a:graphicData uri="http://schemas.openxmlformats.org/presentationml/2006/ole">
-            <p:oleObj spid="_x0000_s2052" name="Equation" r:id="rId5" imgW="228600" imgH="228600" progId="Equation.DSMT4">
+            <p:oleObj spid="_x0000_s2052" name="Equation" r:id="rId5" imgW="228600" imgH="228600" progId="">
               <p:embed/>
             </p:oleObj>
           </a:graphicData>
@@ -4681,7 +5525,7 @@
         </p:xfrm>
         <a:graphic>
           <a:graphicData uri="http://schemas.openxmlformats.org/presentationml/2006/ole">
-            <p:oleObj spid="_x0000_s2053" name="Equation" r:id="rId6" imgW="164880" imgH="164880" progId="Equation.DSMT4">
+            <p:oleObj spid="_x0000_s2053" name="Equation" r:id="rId6" imgW="164880" imgH="164880" progId="">
               <p:embed/>
             </p:oleObj>
           </a:graphicData>
@@ -4701,7 +5545,7 @@
         </p:xfrm>
         <a:graphic>
           <a:graphicData uri="http://schemas.openxmlformats.org/presentationml/2006/ole">
-            <p:oleObj spid="_x0000_s2054" name="Equation" r:id="rId7" imgW="431640" imgH="253800" progId="Equation.DSMT4">
+            <p:oleObj spid="_x0000_s2054" name="Equation" r:id="rId7" imgW="431640" imgH="253800" progId="">
               <p:embed/>
             </p:oleObj>
           </a:graphicData>
@@ -4721,7 +5565,7 @@
         </p:xfrm>
         <a:graphic>
           <a:graphicData uri="http://schemas.openxmlformats.org/presentationml/2006/ole">
-            <p:oleObj spid="_x0000_s2055" name="Equation" r:id="rId8" imgW="228600" imgH="228600" progId="Equation.DSMT4">
+            <p:oleObj spid="_x0000_s2055" name="Equation" r:id="rId8" imgW="228600" imgH="228600" progId="">
               <p:embed/>
             </p:oleObj>
           </a:graphicData>
@@ -4923,7 +5767,7 @@
         </p:xfrm>
         <a:graphic>
           <a:graphicData uri="http://schemas.openxmlformats.org/presentationml/2006/ole">
-            <p:oleObj spid="_x0000_s3074" name="Equation" r:id="rId3" imgW="1104840" imgH="431640" progId="Equation.DSMT4">
+            <p:oleObj spid="_x0000_s3074" name="Equation" r:id="rId3" imgW="1104840" imgH="431640" progId="">
               <p:embed/>
             </p:oleObj>
           </a:graphicData>
@@ -4943,7 +5787,7 @@
         </p:xfrm>
         <a:graphic>
           <a:graphicData uri="http://schemas.openxmlformats.org/presentationml/2006/ole">
-            <p:oleObj spid="_x0000_s3075" name="Equation" r:id="rId4" imgW="1041120" imgH="253800" progId="Equation.DSMT4">
+            <p:oleObj spid="_x0000_s3075" name="Equation" r:id="rId4" imgW="1041120" imgH="253800" progId="">
               <p:embed/>
             </p:oleObj>
           </a:graphicData>
@@ -5472,7 +6316,11 @@
           <a:bodyPr/>
           <a:lstStyle/>
           <a:p>
-            <a:endParaRPr lang="en-US"/>
+            <a:r>
+              <a:rPr lang="en-US" dirty="0" smtClean="0"/>
+              <a:t>Stacking</a:t>
+            </a:r>
+            <a:endParaRPr lang="en-US" dirty="0"/>
           </a:p>
         </p:txBody>
       </p:sp>
